--- a/Utility/CMD 시작하기.pptx
+++ b/Utility/CMD 시작하기.pptx
@@ -250,7 +250,7 @@
           <a:p>
             <a:fld id="{0701E38F-D71B-4628-B377-F26FA834EB07}" type="datetimeFigureOut">
               <a:rPr lang="ko-KR" altLang="en-US" smtClean="0"/>
-              <a:t>2022-12-07</a:t>
+              <a:t>2024-09-25</a:t>
             </a:fld>
             <a:endParaRPr lang="ko-KR" altLang="en-US"/>
           </a:p>
@@ -416,7 +416,7 @@
             <a:fld id="{BC75A1C1-99F9-4ED1-B968-97F8F766565C}" type="datetimeFigureOut">
               <a:rPr lang="ko-KR" altLang="en-US" smtClean="0"/>
               <a:pPr/>
-              <a:t>2022-12-07</a:t>
+              <a:t>2024-09-25</a:t>
             </a:fld>
             <a:endParaRPr lang="ko-KR" altLang="en-US"/>
           </a:p>
@@ -4029,7 +4029,7 @@
               <a:buChar char="Ø"/>
             </a:pPr>
             <a:r>
-              <a:rPr lang="ko-KR" altLang="en-US" sz="2000" dirty="0" smtClean="0">
+              <a:rPr lang="ko-KR" altLang="en-US" dirty="0" smtClean="0">
                 <a:solidFill>
                   <a:srgbClr val="0000FF"/>
                 </a:solidFill>
@@ -4037,7 +4037,7 @@
               </a:rPr>
               <a:t>폴더 및 파일 명령어</a:t>
             </a:r>
-            <a:endParaRPr lang="en-US" altLang="ko-KR" sz="2000" dirty="0" smtClean="0">
+            <a:endParaRPr lang="en-US" altLang="ko-KR" dirty="0" smtClean="0">
               <a:solidFill>
                 <a:srgbClr val="0000FF"/>
               </a:solidFill>
@@ -4053,18 +4053,18 @@
               <a:buChar char="•"/>
             </a:pPr>
             <a:r>
-              <a:rPr lang="ko-KR" altLang="en-US" sz="1600" dirty="0" smtClean="0"/>
+              <a:rPr lang="ko-KR" altLang="en-US" sz="1400" dirty="0" smtClean="0"/>
               <a:t>폴더</a:t>
             </a:r>
             <a:r>
-              <a:rPr lang="en-US" altLang="ko-KR" sz="1600" dirty="0" smtClean="0"/>
+              <a:rPr lang="en-US" altLang="ko-KR" sz="1400" dirty="0" smtClean="0"/>
               <a:t> </a:t>
             </a:r>
             <a:r>
-              <a:rPr lang="ko-KR" altLang="en-US" sz="1600" dirty="0" smtClean="0"/>
+              <a:rPr lang="ko-KR" altLang="en-US" sz="1400" dirty="0" smtClean="0"/>
               <a:t>생성 및 삭제</a:t>
             </a:r>
-            <a:endParaRPr lang="en-US" altLang="ko-KR" sz="1600" dirty="0"/>
+            <a:endParaRPr lang="en-US" altLang="ko-KR" sz="1400" dirty="0"/>
           </a:p>
           <a:p>
             <a:pPr marL="1200150" lvl="2" indent="-285750" latinLnBrk="0">
@@ -4075,15 +4075,15 @@
               <a:buChar char="ü"/>
             </a:pPr>
             <a:r>
-              <a:rPr lang="en-US" altLang="ko-KR" sz="1600" dirty="0" err="1" smtClean="0"/>
+              <a:rPr lang="en-US" altLang="ko-KR" sz="1400" dirty="0" err="1" smtClean="0"/>
               <a:t>mkdir</a:t>
             </a:r>
             <a:r>
-              <a:rPr lang="en-US" altLang="ko-KR" sz="1600" dirty="0" smtClean="0"/>
+              <a:rPr lang="en-US" altLang="ko-KR" sz="1400" dirty="0" smtClean="0"/>
               <a:t> </a:t>
             </a:r>
             <a:r>
-              <a:rPr lang="en-US" altLang="ko-KR" sz="1600" dirty="0"/>
+              <a:rPr lang="en-US" altLang="ko-KR" sz="1400" dirty="0"/>
               <a:t>folder</a:t>
             </a:r>
           </a:p>
@@ -4096,14 +4096,14 @@
               <a:buChar char="ü"/>
             </a:pPr>
             <a:r>
-              <a:rPr lang="en-US" altLang="ko-KR" sz="1600" dirty="0" err="1" smtClean="0"/>
+              <a:rPr lang="en-US" altLang="ko-KR" sz="1400" dirty="0" err="1" smtClean="0"/>
               <a:t>rmdir</a:t>
             </a:r>
             <a:r>
-              <a:rPr lang="en-US" altLang="ko-KR" sz="1600" dirty="0" smtClean="0"/>
+              <a:rPr lang="en-US" altLang="ko-KR" sz="1400" dirty="0" smtClean="0"/>
               <a:t>  /s folder</a:t>
             </a:r>
-            <a:endParaRPr lang="en-US" altLang="ko-KR" sz="1600" dirty="0"/>
+            <a:endParaRPr lang="en-US" altLang="ko-KR" sz="1400" dirty="0"/>
           </a:p>
           <a:p>
             <a:pPr marL="742950" lvl="1" indent="-285750" latinLnBrk="0">
@@ -4114,18 +4114,18 @@
               <a:buChar char="•"/>
             </a:pPr>
             <a:r>
-              <a:rPr lang="ko-KR" altLang="en-US" sz="1600" dirty="0" smtClean="0"/>
+              <a:rPr lang="ko-KR" altLang="en-US" sz="1400" dirty="0" smtClean="0"/>
               <a:t>파일</a:t>
             </a:r>
             <a:r>
-              <a:rPr lang="en-US" altLang="ko-KR" sz="1600" dirty="0" smtClean="0"/>
+              <a:rPr lang="en-US" altLang="ko-KR" sz="1400" dirty="0" smtClean="0"/>
               <a:t> </a:t>
             </a:r>
             <a:r>
-              <a:rPr lang="ko-KR" altLang="en-US" sz="1600" dirty="0" smtClean="0"/>
+              <a:rPr lang="ko-KR" altLang="en-US" sz="1400" dirty="0" smtClean="0"/>
               <a:t>생성</a:t>
             </a:r>
-            <a:endParaRPr lang="en-US" altLang="ko-KR" sz="1600" dirty="0"/>
+            <a:endParaRPr lang="en-US" altLang="ko-KR" sz="1400" dirty="0"/>
           </a:p>
           <a:p>
             <a:pPr marL="1200150" lvl="2" indent="-285750" latinLnBrk="0">
@@ -4136,8 +4136,12 @@
               <a:buChar char="ü"/>
             </a:pPr>
             <a:r>
-              <a:rPr lang="en-US" altLang="ko-KR" sz="1600" dirty="0" smtClean="0"/>
-              <a:t>copy con test.txt</a:t>
+              <a:rPr lang="en-US" altLang="ko-KR" sz="1400" dirty="0" smtClean="0"/>
+              <a:t>copy con </a:t>
+            </a:r>
+            <a:r>
+              <a:rPr lang="en-US" altLang="ko-KR" sz="1400" dirty="0" smtClean="0"/>
+              <a:t>test.txt</a:t>
             </a:r>
           </a:p>
           <a:p>
@@ -4149,14 +4153,17 @@
               <a:buChar char="ü"/>
             </a:pPr>
             <a:r>
-              <a:rPr lang="en-US" altLang="ko-KR" sz="1600" dirty="0" smtClean="0"/>
-              <a:t>Ctrl + z : </a:t>
-            </a:r>
-            <a:r>
-              <a:rPr lang="ko-KR" altLang="en-US" sz="1600" dirty="0" smtClean="0"/>
-              <a:t>저장</a:t>
-            </a:r>
-            <a:endParaRPr lang="en-US" altLang="ko-KR" sz="1600" dirty="0" smtClean="0"/>
+              <a:rPr lang="en-US" altLang="ko-KR" sz="1400" dirty="0"/>
+              <a:t>echo Hello, World!</a:t>
+            </a:r>
+            <a:r>
+              <a:rPr lang="ko-KR" altLang="en-US" sz="1400" dirty="0" smtClean="0"/>
+              <a:t> </a:t>
+            </a:r>
+            <a:r>
+              <a:rPr lang="en-US" altLang="ko-KR" sz="1400" dirty="0"/>
+              <a:t>&gt; test.txt</a:t>
+            </a:r>
           </a:p>
           <a:p>
             <a:pPr marL="1200150" lvl="2" indent="-285750" latinLnBrk="0">
@@ -4167,10 +4174,56 @@
               <a:buChar char="ü"/>
             </a:pPr>
             <a:r>
-              <a:rPr lang="en-US" altLang="ko-KR" sz="1600" dirty="0" smtClean="0"/>
-              <a:t>del file /s/f/q</a:t>
-            </a:r>
-            <a:endParaRPr lang="en-US" altLang="ko-KR" sz="1600" dirty="0"/>
+              <a:rPr lang="en-US" altLang="ko-KR" sz="1400" dirty="0"/>
+              <a:t>type </a:t>
+            </a:r>
+            <a:r>
+              <a:rPr lang="en-US" altLang="ko-KR" sz="1400" dirty="0" err="1"/>
+              <a:t>nul</a:t>
+            </a:r>
+            <a:r>
+              <a:rPr lang="en-US" altLang="ko-KR" sz="1400" dirty="0"/>
+              <a:t> &gt; test.txt</a:t>
+            </a:r>
+          </a:p>
+          <a:p>
+            <a:pPr marL="1200150" lvl="2" indent="-285750" latinLnBrk="0">
+              <a:lnSpc>
+                <a:spcPct val="150000"/>
+              </a:lnSpc>
+              <a:buFont typeface="Wingdings" panose="05000000000000000000" pitchFamily="2" charset="2"/>
+              <a:buChar char="ü"/>
+            </a:pPr>
+            <a:r>
+              <a:rPr lang="en-US" altLang="ko-KR" sz="1400" dirty="0" smtClean="0"/>
+              <a:t>Ctrl </a:t>
+            </a:r>
+            <a:r>
+              <a:rPr lang="en-US" altLang="ko-KR" sz="1400" dirty="0" smtClean="0"/>
+              <a:t>+ z : </a:t>
+            </a:r>
+            <a:r>
+              <a:rPr lang="ko-KR" altLang="en-US" sz="1400" dirty="0" smtClean="0"/>
+              <a:t>저장</a:t>
+            </a:r>
+            <a:endParaRPr lang="en-US" altLang="ko-KR" sz="1400" dirty="0" smtClean="0"/>
+          </a:p>
+          <a:p>
+            <a:pPr marL="1200150" lvl="2" indent="-285750" latinLnBrk="0">
+              <a:lnSpc>
+                <a:spcPct val="150000"/>
+              </a:lnSpc>
+              <a:buFont typeface="Wingdings" panose="05000000000000000000" pitchFamily="2" charset="2"/>
+              <a:buChar char="ü"/>
+            </a:pPr>
+            <a:r>
+              <a:rPr lang="en-US" altLang="ko-KR" sz="1400" dirty="0" smtClean="0"/>
+              <a:t>del file /</a:t>
+            </a:r>
+            <a:r>
+              <a:rPr lang="en-US" altLang="ko-KR" sz="1400" dirty="0" smtClean="0"/>
+              <a:t>s/f/q</a:t>
+            </a:r>
           </a:p>
           <a:p>
             <a:pPr marL="742950" lvl="1" indent="-285750" latinLnBrk="0">
@@ -4181,18 +4234,18 @@
               <a:buChar char="•"/>
             </a:pPr>
             <a:r>
-              <a:rPr lang="ko-KR" altLang="en-US" sz="1600" dirty="0"/>
+              <a:rPr lang="ko-KR" altLang="en-US" sz="1400" dirty="0" smtClean="0"/>
               <a:t>파일</a:t>
             </a:r>
             <a:r>
-              <a:rPr lang="en-US" altLang="ko-KR" sz="1600" dirty="0"/>
+              <a:rPr lang="en-US" altLang="ko-KR" sz="1400" dirty="0" smtClean="0"/>
               <a:t> </a:t>
             </a:r>
             <a:r>
-              <a:rPr lang="ko-KR" altLang="en-US" sz="1600" dirty="0" smtClean="0"/>
+              <a:rPr lang="ko-KR" altLang="en-US" sz="1400" dirty="0" smtClean="0"/>
               <a:t>실행</a:t>
             </a:r>
-            <a:endParaRPr lang="en-US" altLang="ko-KR" sz="1600" dirty="0" smtClean="0"/>
+            <a:endParaRPr lang="en-US" altLang="ko-KR" sz="1400" dirty="0" smtClean="0"/>
           </a:p>
           <a:p>
             <a:pPr marL="1200150" lvl="2" indent="-285750" latinLnBrk="0">
@@ -4203,7 +4256,7 @@
               <a:buChar char="ü"/>
             </a:pPr>
             <a:r>
-              <a:rPr lang="en-US" altLang="ko-KR" sz="1600" dirty="0" smtClean="0"/>
+              <a:rPr lang="en-US" altLang="ko-KR" sz="1400" dirty="0" smtClean="0"/>
               <a:t>type test.txt</a:t>
             </a:r>
           </a:p>
@@ -4216,10 +4269,10 @@
               <a:buChar char="•"/>
             </a:pPr>
             <a:r>
-              <a:rPr lang="ko-KR" altLang="en-US" sz="1600" dirty="0"/>
+              <a:rPr lang="ko-KR" altLang="en-US" sz="1400" dirty="0"/>
               <a:t>파일 삭제</a:t>
             </a:r>
-            <a:endParaRPr lang="en-US" altLang="ko-KR" sz="1600" dirty="0"/>
+            <a:endParaRPr lang="en-US" altLang="ko-KR" sz="1400" dirty="0"/>
           </a:p>
           <a:p>
             <a:pPr marL="1200150" lvl="2" indent="-285750" latinLnBrk="0">
@@ -4230,7 +4283,7 @@
               <a:buChar char="ü"/>
             </a:pPr>
             <a:r>
-              <a:rPr lang="en-US" altLang="ko-KR" sz="1600" dirty="0"/>
+              <a:rPr lang="en-US" altLang="ko-KR" sz="1400" dirty="0"/>
               <a:t>del test.txt</a:t>
             </a:r>
           </a:p>
